--- a/2차 발표 자료/2022180034 이형욱.pptx
+++ b/2차 발표 자료/2022180034 이형욱.pptx
@@ -3572,7 +3572,7 @@
           <p:nvPr>
             <p:extLst>
               <p:ext uri="{D42A27DB-BD31-4B8C-83A1-F6EECF244321}">
-                <p14:modId xmlns:p14="http://schemas.microsoft.com/office/powerpoint/2010/main" val="2114126314"/>
+                <p14:modId xmlns:p14="http://schemas.microsoft.com/office/powerpoint/2010/main" val="2587376986"/>
               </p:ext>
             </p:extLst>
           </p:nvPr>
@@ -4251,7 +4251,7 @@
                         <a:rPr lang="en-US" altLang="ko-KR" sz="1400" dirty="0">
                           <a:effectLst/>
                         </a:rPr>
-                        <a:t>70%</a:t>
+                        <a:t>100%</a:t>
                       </a:r>
                       <a:endParaRPr lang="ko-KR" altLang="en-US" sz="1400" dirty="0">
                         <a:effectLst/>
@@ -4424,7 +4424,7 @@
                         <a:rPr lang="ko-KR" altLang="en-US" sz="1400" dirty="0">
                           <a:effectLst/>
                         </a:rPr>
-                        <a:t>전투 시스템 미 구현</a:t>
+                        <a:t>전투 시스템 구현</a:t>
                       </a:r>
                     </a:p>
                   </a:txBody>
@@ -4622,7 +4622,7 @@
                         <a:rPr lang="ko-KR" altLang="en-US" sz="1400" dirty="0">
                           <a:effectLst/>
                         </a:rPr>
-                        <a:t>광산 스테이지 및 충돌처리 구현</a:t>
+                        <a:t>광산 스테이지 및 몬스터 충돌처리 구현</a:t>
                       </a:r>
                     </a:p>
                   </a:txBody>
@@ -4680,7 +4680,7 @@
                         <a:rPr lang="en-US" altLang="ko-KR" sz="1400" dirty="0">
                           <a:effectLst/>
                         </a:rPr>
-                        <a:t>60%</a:t>
+                        <a:t>70%</a:t>
                       </a:r>
                       <a:endParaRPr lang="ko-KR" altLang="en-US" sz="1400" dirty="0">
                         <a:effectLst/>
@@ -4829,7 +4829,7 @@
                         <a:rPr lang="ko-KR" altLang="en-US" sz="1400" dirty="0">
                           <a:effectLst/>
                         </a:rPr>
-                        <a:t>충돌처리 절반만 구현</a:t>
+                        <a:t>몬스터 피격 충돌처리 구현</a:t>
                       </a:r>
                     </a:p>
                   </a:txBody>
@@ -5027,7 +5027,7 @@
                         <a:rPr lang="ko-KR" altLang="en-US" sz="1400" dirty="0">
                           <a:effectLst/>
                         </a:rPr>
-                        <a:t>광산 블록 처리 구현</a:t>
+                        <a:t>광산 땅 파기 구현</a:t>
                       </a:r>
                     </a:p>
                   </a:txBody>
@@ -5222,7 +5222,19 @@
                         <a:rPr lang="ko-KR" altLang="en-US" sz="1400" dirty="0">
                           <a:effectLst/>
                         </a:rPr>
-                        <a:t>광산 블록 처리 절반 구현</a:t>
+                        <a:t>광산 블록 충돌 처리 </a:t>
+                      </a:r>
+                      <a:r>
+                        <a:rPr lang="en-US" altLang="ko-KR" sz="1400" dirty="0">
+                          <a:effectLst/>
+                        </a:rPr>
+                        <a:t>y</a:t>
+                      </a:r>
+                      <a:r>
+                        <a:rPr lang="ko-KR" altLang="en-US" sz="1400" dirty="0">
+                          <a:effectLst/>
+                        </a:rPr>
+                        <a:t>축 구현</a:t>
                       </a:r>
                     </a:p>
                   </a:txBody>
@@ -5295,17 +5307,20 @@
                         <a:buNone/>
                       </a:pPr>
                       <a:r>
-                        <a:rPr lang="en-US" altLang="ko-KR" sz="1400" dirty="0">
+                        <a:rPr lang="en-US" altLang="ko-KR" sz="1400">
                           <a:effectLst/>
                         </a:rPr>
                         <a:t>5</a:t>
                       </a:r>
                       <a:r>
-                        <a:rPr lang="ko-KR" altLang="en-US" sz="1400" dirty="0">
+                        <a:rPr lang="ko-KR" altLang="en-US" sz="1400">
                           <a:effectLst/>
                         </a:rPr>
                         <a:t>주차</a:t>
                       </a:r>
+                      <a:endParaRPr lang="ko-KR" altLang="en-US" sz="1400" dirty="0">
+                        <a:effectLst/>
+                      </a:endParaRPr>
                     </a:p>
                   </a:txBody>
                   <a:tcPr marL="35902" marR="35902" marT="35902" marB="35902" anchor="ctr">
@@ -5359,11 +5374,14 @@
                         <a:buNone/>
                       </a:pPr>
                       <a:r>
-                        <a:rPr lang="ko-KR" altLang="en-US" sz="1400" dirty="0">
+                        <a:rPr lang="ko-KR" altLang="en-US" sz="1400">
                           <a:effectLst/>
                         </a:rPr>
                         <a:t>계획 </a:t>
                       </a:r>
+                      <a:endParaRPr lang="ko-KR" altLang="en-US" sz="1400" dirty="0">
+                        <a:effectLst/>
+                      </a:endParaRPr>
                     </a:p>
                   </a:txBody>
                   <a:tcPr marL="35902" marR="35902" marT="35902" marB="35902" anchor="ctr">
@@ -5417,35 +5435,38 @@
                         <a:buNone/>
                       </a:pPr>
                       <a:r>
-                        <a:rPr lang="ko-KR" altLang="en-US" sz="1400" dirty="0">
+                        <a:rPr lang="ko-KR" altLang="en-US" sz="1400">
                           <a:effectLst/>
                         </a:rPr>
                         <a:t>상점 시스템</a:t>
                       </a:r>
                       <a:r>
-                        <a:rPr lang="en-US" altLang="ko-KR" sz="1400" dirty="0">
+                        <a:rPr lang="en-US" altLang="ko-KR" sz="1400">
                           <a:effectLst/>
                         </a:rPr>
                         <a:t>, </a:t>
                       </a:r>
                       <a:r>
-                        <a:rPr lang="ko-KR" altLang="en-US" sz="1400" dirty="0">
+                        <a:rPr lang="ko-KR" altLang="en-US" sz="1400">
                           <a:effectLst/>
                         </a:rPr>
                         <a:t>아이템 시스템</a:t>
                       </a:r>
                       <a:r>
-                        <a:rPr lang="en-US" altLang="ko-KR" sz="1400" dirty="0">
+                        <a:rPr lang="en-US" altLang="ko-KR" sz="1400">
                           <a:effectLst/>
                         </a:rPr>
                         <a:t> </a:t>
                       </a:r>
                       <a:r>
-                        <a:rPr lang="ko-KR" altLang="en-US" sz="1400" dirty="0">
+                        <a:rPr lang="ko-KR" altLang="en-US" sz="1400">
                           <a:effectLst/>
                         </a:rPr>
                         <a:t>추가</a:t>
                       </a:r>
+                      <a:endParaRPr lang="ko-KR" altLang="en-US" sz="1400" dirty="0">
+                        <a:effectLst/>
+                      </a:endParaRPr>
                     </a:p>
                   </a:txBody>
                   <a:tcPr marL="35902" marR="35902" marT="35902" marB="35902" anchor="ctr">
@@ -5572,23 +5593,17 @@
                         <a:buNone/>
                       </a:pPr>
                       <a:r>
-                        <a:rPr lang="ko-KR" altLang="en-US" sz="1400" dirty="0">
+                        <a:rPr lang="ko-KR" altLang="en-US" sz="1400">
                           <a:effectLst/>
                         </a:rPr>
                         <a:t>결과</a:t>
                       </a:r>
+                      <a:endParaRPr lang="ko-KR" altLang="en-US" sz="1400" dirty="0">
+                        <a:effectLst/>
+                      </a:endParaRPr>
                     </a:p>
                   </a:txBody>
                   <a:tcPr marL="35902" marR="35902" marT="35902" marB="35902" anchor="ctr">
-                    <a:lnL w="9525" cap="flat" cmpd="sng" algn="ctr">
-                      <a:solidFill>
-                        <a:srgbClr val="DDDDDD"/>
-                      </a:solidFill>
-                      <a:prstDash val="solid"/>
-                      <a:round/>
-                      <a:headEnd type="none" w="med" len="med"/>
-                      <a:tailEnd type="none" w="med" len="med"/>
-                    </a:lnL>
                     <a:lnR w="9525" cap="flat" cmpd="sng" algn="ctr">
                       <a:solidFill>
                         <a:srgbClr val="DDDDDD"/>
@@ -5685,7 +5700,17 @@
                       <a:endParaRPr lang="ko-KR" altLang="en-US"/>
                     </a:p>
                   </a:txBody>
-                  <a:tcPr/>
+                  <a:tcPr>
+                    <a:lnL w="9525" cap="flat" cmpd="sng" algn="ctr">
+                      <a:solidFill>
+                        <a:srgbClr val="DDDDDD"/>
+                      </a:solidFill>
+                      <a:prstDash val="solid"/>
+                      <a:round/>
+                      <a:headEnd type="none" w="med" len="med"/>
+                      <a:tailEnd type="none" w="med" len="med"/>
+                    </a:lnL>
+                  </a:tcPr>
                 </a:tc>
                 <a:extLst>
                   <a:ext uri="{0D108BD9-81ED-4DB2-BD59-A6C34878D82A}">
@@ -5703,17 +5728,20 @@
                         <a:buNone/>
                       </a:pPr>
                       <a:r>
-                        <a:rPr lang="en-US" altLang="ko-KR" sz="1400" dirty="0">
+                        <a:rPr lang="en-US" altLang="ko-KR" sz="1400">
                           <a:effectLst/>
                         </a:rPr>
                         <a:t>6</a:t>
                       </a:r>
                       <a:r>
-                        <a:rPr lang="ko-KR" altLang="en-US" sz="1400" dirty="0">
+                        <a:rPr lang="ko-KR" altLang="en-US" sz="1400">
                           <a:effectLst/>
                         </a:rPr>
                         <a:t>주차</a:t>
                       </a:r>
+                      <a:endParaRPr lang="ko-KR" altLang="en-US" sz="1400" dirty="0">
+                        <a:effectLst/>
+                      </a:endParaRPr>
                     </a:p>
                   </a:txBody>
                   <a:tcPr marL="35902" marR="35902" marT="35902" marB="35902" anchor="ctr">
@@ -5767,11 +5795,14 @@
                         <a:buNone/>
                       </a:pPr>
                       <a:r>
-                        <a:rPr lang="ko-KR" altLang="en-US" sz="1400" dirty="0">
+                        <a:rPr lang="ko-KR" altLang="en-US" sz="1400">
                           <a:effectLst/>
                         </a:rPr>
                         <a:t>계획 </a:t>
                       </a:r>
+                      <a:endParaRPr lang="ko-KR" altLang="en-US" sz="1400" dirty="0">
+                        <a:effectLst/>
+                      </a:endParaRPr>
                     </a:p>
                   </a:txBody>
                   <a:tcPr marL="35902" marR="35902" marT="35902" marB="35902" anchor="ctr">
@@ -5956,23 +5987,17 @@
                         <a:buNone/>
                       </a:pPr>
                       <a:r>
-                        <a:rPr lang="ko-KR" altLang="en-US" sz="1400" dirty="0">
+                        <a:rPr lang="ko-KR" altLang="en-US" sz="1400">
                           <a:effectLst/>
                         </a:rPr>
                         <a:t>결과</a:t>
                       </a:r>
+                      <a:endParaRPr lang="ko-KR" altLang="en-US" sz="1400" dirty="0">
+                        <a:effectLst/>
+                      </a:endParaRPr>
                     </a:p>
                   </a:txBody>
                   <a:tcPr marL="35902" marR="35902" marT="35902" marB="35902" anchor="ctr">
-                    <a:lnL w="9525" cap="flat" cmpd="sng" algn="ctr">
-                      <a:solidFill>
-                        <a:srgbClr val="DDDDDD"/>
-                      </a:solidFill>
-                      <a:prstDash val="solid"/>
-                      <a:round/>
-                      <a:headEnd type="none" w="med" len="med"/>
-                      <a:tailEnd type="none" w="med" len="med"/>
-                    </a:lnL>
                     <a:lnR w="9525" cap="flat" cmpd="sng" algn="ctr">
                       <a:solidFill>
                         <a:srgbClr val="DDDDDD"/>
@@ -6069,7 +6094,17 @@
                       <a:endParaRPr lang="ko-KR" altLang="en-US"/>
                     </a:p>
                   </a:txBody>
-                  <a:tcPr/>
+                  <a:tcPr>
+                    <a:lnL w="9525" cap="flat" cmpd="sng" algn="ctr">
+                      <a:solidFill>
+                        <a:srgbClr val="DDDDDD"/>
+                      </a:solidFill>
+                      <a:prstDash val="solid"/>
+                      <a:round/>
+                      <a:headEnd type="none" w="med" len="med"/>
+                      <a:tailEnd type="none" w="med" len="med"/>
+                    </a:lnL>
+                  </a:tcPr>
                 </a:tc>
                 <a:extLst>
                   <a:ext uri="{0D108BD9-81ED-4DB2-BD59-A6C34878D82A}">
@@ -6087,17 +6122,20 @@
                         <a:buNone/>
                       </a:pPr>
                       <a:r>
-                        <a:rPr lang="en-US" altLang="ko-KR" sz="1400" dirty="0">
+                        <a:rPr lang="en-US" altLang="ko-KR" sz="1400">
                           <a:effectLst/>
                         </a:rPr>
                         <a:t>7</a:t>
                       </a:r>
                       <a:r>
-                        <a:rPr lang="ko-KR" altLang="en-US" sz="1400" dirty="0">
+                        <a:rPr lang="ko-KR" altLang="en-US" sz="1400">
                           <a:effectLst/>
                         </a:rPr>
                         <a:t>주차</a:t>
                       </a:r>
+                      <a:endParaRPr lang="ko-KR" altLang="en-US" sz="1400" dirty="0">
+                        <a:effectLst/>
+                      </a:endParaRPr>
                     </a:p>
                   </a:txBody>
                   <a:tcPr marL="35902" marR="35902" marT="35902" marB="35902" anchor="ctr">
@@ -6151,11 +6189,14 @@
                         <a:buNone/>
                       </a:pPr>
                       <a:r>
-                        <a:rPr lang="ko-KR" altLang="en-US" sz="1400" dirty="0">
+                        <a:rPr lang="ko-KR" altLang="en-US" sz="1400">
                           <a:effectLst/>
                         </a:rPr>
                         <a:t>계획 </a:t>
                       </a:r>
+                      <a:endParaRPr lang="ko-KR" altLang="en-US" sz="1400" dirty="0">
+                        <a:effectLst/>
+                      </a:endParaRPr>
                     </a:p>
                   </a:txBody>
                   <a:tcPr marL="35902" marR="35902" marT="35902" marB="35902" anchor="ctr">
@@ -6209,29 +6250,32 @@
                         <a:buNone/>
                       </a:pPr>
                       <a:r>
-                        <a:rPr lang="en-US" altLang="ko-KR" sz="1400" dirty="0">
+                        <a:rPr lang="en-US" altLang="ko-KR" sz="1400">
                           <a:effectLst/>
                         </a:rPr>
                         <a:t>UI </a:t>
                       </a:r>
                       <a:r>
-                        <a:rPr lang="ko-KR" altLang="en-US" sz="1400" dirty="0">
+                        <a:rPr lang="ko-KR" altLang="en-US" sz="1400">
                           <a:effectLst/>
                         </a:rPr>
                         <a:t>추가</a:t>
                       </a:r>
                       <a:r>
-                        <a:rPr lang="en-US" altLang="ko-KR" sz="1400" dirty="0">
+                        <a:rPr lang="en-US" altLang="ko-KR" sz="1400">
                           <a:effectLst/>
                         </a:rPr>
                         <a:t>, </a:t>
                       </a:r>
                       <a:r>
-                        <a:rPr lang="ko-KR" altLang="en-US" sz="1400" dirty="0">
+                        <a:rPr lang="ko-KR" altLang="en-US" sz="1400">
                           <a:effectLst/>
                         </a:rPr>
                         <a:t>세부적인 요소 추가</a:t>
                       </a:r>
+                      <a:endParaRPr lang="ko-KR" altLang="en-US" sz="1400" dirty="0">
+                        <a:effectLst/>
+                      </a:endParaRPr>
                     </a:p>
                   </a:txBody>
                   <a:tcPr marL="35902" marR="35902" marT="35902" marB="35902" anchor="ctr">
@@ -6358,23 +6402,17 @@
                         <a:buNone/>
                       </a:pPr>
                       <a:r>
-                        <a:rPr lang="ko-KR" altLang="en-US" sz="1400" dirty="0">
+                        <a:rPr lang="ko-KR" altLang="en-US" sz="1400">
                           <a:effectLst/>
                         </a:rPr>
                         <a:t>결과</a:t>
                       </a:r>
+                      <a:endParaRPr lang="ko-KR" altLang="en-US" sz="1400" dirty="0">
+                        <a:effectLst/>
+                      </a:endParaRPr>
                     </a:p>
                   </a:txBody>
                   <a:tcPr marL="35902" marR="35902" marT="35902" marB="35902" anchor="ctr">
-                    <a:lnL w="9525" cap="flat" cmpd="sng" algn="ctr">
-                      <a:solidFill>
-                        <a:srgbClr val="DDDDDD"/>
-                      </a:solidFill>
-                      <a:prstDash val="solid"/>
-                      <a:round/>
-                      <a:headEnd type="none" w="med" len="med"/>
-                      <a:tailEnd type="none" w="med" len="med"/>
-                    </a:lnL>
                     <a:lnR w="9525" cap="flat" cmpd="sng" algn="ctr">
                       <a:solidFill>
                         <a:srgbClr val="DDDDDD"/>
@@ -6471,7 +6509,17 @@
                       <a:endParaRPr lang="ko-KR" altLang="en-US"/>
                     </a:p>
                   </a:txBody>
-                  <a:tcPr/>
+                  <a:tcPr>
+                    <a:lnL w="9525" cap="flat" cmpd="sng" algn="ctr">
+                      <a:solidFill>
+                        <a:srgbClr val="DDDDDD"/>
+                      </a:solidFill>
+                      <a:prstDash val="solid"/>
+                      <a:round/>
+                      <a:headEnd type="none" w="med" len="med"/>
+                      <a:tailEnd type="none" w="med" len="med"/>
+                    </a:lnL>
+                  </a:tcPr>
                 </a:tc>
                 <a:extLst>
                   <a:ext uri="{0D108BD9-81ED-4DB2-BD59-A6C34878D82A}">
@@ -6489,17 +6537,20 @@
                         <a:buNone/>
                       </a:pPr>
                       <a:r>
-                        <a:rPr lang="en-US" altLang="ko-KR" sz="1400" dirty="0">
+                        <a:rPr lang="en-US" altLang="ko-KR" sz="1400">
                           <a:effectLst/>
                         </a:rPr>
                         <a:t>8</a:t>
                       </a:r>
                       <a:r>
-                        <a:rPr lang="ko-KR" altLang="en-US" sz="1400" dirty="0">
+                        <a:rPr lang="ko-KR" altLang="en-US" sz="1400">
                           <a:effectLst/>
                         </a:rPr>
                         <a:t>주차</a:t>
                       </a:r>
+                      <a:endParaRPr lang="ko-KR" altLang="en-US" sz="1400" dirty="0">
+                        <a:effectLst/>
+                      </a:endParaRPr>
                     </a:p>
                   </a:txBody>
                   <a:tcPr marL="35902" marR="35902" marT="35902" marB="35902" anchor="ctr">
@@ -6553,11 +6604,14 @@
                         <a:buNone/>
                       </a:pPr>
                       <a:r>
-                        <a:rPr lang="ko-KR" altLang="en-US" sz="1400" dirty="0">
+                        <a:rPr lang="ko-KR" altLang="en-US" sz="1400">
                           <a:effectLst/>
                         </a:rPr>
                         <a:t>계획 </a:t>
                       </a:r>
+                      <a:endParaRPr lang="ko-KR" altLang="en-US" sz="1400" dirty="0">
+                        <a:effectLst/>
+                      </a:endParaRPr>
                     </a:p>
                   </a:txBody>
                   <a:tcPr marL="35902" marR="35902" marT="35902" marB="35902" anchor="ctr">
@@ -6611,23 +6665,26 @@
                         <a:buNone/>
                       </a:pPr>
                       <a:r>
-                        <a:rPr lang="ko-KR" altLang="en-US" sz="1400" dirty="0">
+                        <a:rPr lang="ko-KR" altLang="en-US" sz="1400">
                           <a:effectLst/>
                         </a:rPr>
                         <a:t>버그 수정</a:t>
                       </a:r>
                       <a:r>
-                        <a:rPr lang="en-US" altLang="ko-KR" sz="1400" dirty="0">
+                        <a:rPr lang="en-US" altLang="ko-KR" sz="1400">
                           <a:effectLst/>
                         </a:rPr>
                         <a:t>, </a:t>
                       </a:r>
                       <a:r>
-                        <a:rPr lang="ko-KR" altLang="en-US" sz="1400" dirty="0">
+                        <a:rPr lang="ko-KR" altLang="en-US" sz="1400">
                           <a:effectLst/>
                         </a:rPr>
                         <a:t>세부요소 수정</a:t>
                       </a:r>
+                      <a:endParaRPr lang="ko-KR" altLang="en-US" sz="1400" dirty="0">
+                        <a:effectLst/>
+                      </a:endParaRPr>
                     </a:p>
                   </a:txBody>
                   <a:tcPr marL="35902" marR="35902" marT="35902" marB="35902" anchor="ctr">
@@ -6754,23 +6811,17 @@
                         <a:buNone/>
                       </a:pPr>
                       <a:r>
-                        <a:rPr lang="ko-KR" altLang="en-US" sz="1400" dirty="0">
+                        <a:rPr lang="ko-KR" altLang="en-US" sz="1400">
                           <a:effectLst/>
                         </a:rPr>
                         <a:t>결과</a:t>
                       </a:r>
+                      <a:endParaRPr lang="ko-KR" altLang="en-US" sz="1400" dirty="0">
+                        <a:effectLst/>
+                      </a:endParaRPr>
                     </a:p>
                   </a:txBody>
                   <a:tcPr marL="35902" marR="35902" marT="35902" marB="35902" anchor="ctr">
-                    <a:lnL w="9525" cap="flat" cmpd="sng" algn="ctr">
-                      <a:solidFill>
-                        <a:srgbClr val="DDDDDD"/>
-                      </a:solidFill>
-                      <a:prstDash val="solid"/>
-                      <a:round/>
-                      <a:headEnd type="none" w="med" len="med"/>
-                      <a:tailEnd type="none" w="med" len="med"/>
-                    </a:lnL>
                     <a:lnR w="9525" cap="flat" cmpd="sng" algn="ctr">
                       <a:solidFill>
                         <a:srgbClr val="DDDDDD"/>
@@ -6867,7 +6918,17 @@
                       <a:endParaRPr lang="ko-KR" altLang="en-US"/>
                     </a:p>
                   </a:txBody>
-                  <a:tcPr/>
+                  <a:tcPr>
+                    <a:lnL w="9525" cap="flat" cmpd="sng" algn="ctr">
+                      <a:solidFill>
+                        <a:srgbClr val="DDDDDD"/>
+                      </a:solidFill>
+                      <a:prstDash val="solid"/>
+                      <a:round/>
+                      <a:headEnd type="none" w="med" len="med"/>
+                      <a:tailEnd type="none" w="med" len="med"/>
+                    </a:lnL>
+                  </a:tcPr>
                 </a:tc>
                 <a:extLst>
                   <a:ext uri="{0D108BD9-81ED-4DB2-BD59-A6C34878D82A}">
@@ -6885,17 +6946,20 @@
                         <a:buNone/>
                       </a:pPr>
                       <a:r>
-                        <a:rPr lang="en-US" altLang="ko-KR" sz="1400" dirty="0">
+                        <a:rPr lang="en-US" altLang="ko-KR" sz="1400">
                           <a:effectLst/>
                         </a:rPr>
                         <a:t>9</a:t>
                       </a:r>
                       <a:r>
-                        <a:rPr lang="ko-KR" altLang="en-US" sz="1400" dirty="0">
+                        <a:rPr lang="ko-KR" altLang="en-US" sz="1400">
                           <a:effectLst/>
                         </a:rPr>
                         <a:t>주차</a:t>
                       </a:r>
+                      <a:endParaRPr lang="ko-KR" altLang="en-US" sz="1400" dirty="0">
+                        <a:effectLst/>
+                      </a:endParaRPr>
                     </a:p>
                   </a:txBody>
                   <a:tcPr marL="35902" marR="35902" marT="35902" marB="35902" anchor="ctr">
@@ -6949,11 +7013,14 @@
                         <a:buNone/>
                       </a:pPr>
                       <a:r>
-                        <a:rPr lang="ko-KR" altLang="en-US" sz="1400" dirty="0">
+                        <a:rPr lang="ko-KR" altLang="en-US" sz="1400">
                           <a:effectLst/>
                         </a:rPr>
                         <a:t>계획 </a:t>
                       </a:r>
+                      <a:endParaRPr lang="ko-KR" altLang="en-US" sz="1400" dirty="0">
+                        <a:effectLst/>
+                      </a:endParaRPr>
                     </a:p>
                   </a:txBody>
                   <a:tcPr marL="35902" marR="35902" marT="35902" marB="35902" anchor="ctr">
@@ -7007,11 +7074,14 @@
                         <a:buNone/>
                       </a:pPr>
                       <a:r>
-                        <a:rPr lang="ko-KR" altLang="en-US" sz="1400" dirty="0">
+                        <a:rPr lang="ko-KR" altLang="en-US" sz="1400">
                           <a:effectLst/>
                         </a:rPr>
                         <a:t>최종 마무리</a:t>
                       </a:r>
+                      <a:endParaRPr lang="ko-KR" altLang="en-US" sz="1400" dirty="0">
+                        <a:effectLst/>
+                      </a:endParaRPr>
                     </a:p>
                   </a:txBody>
                   <a:tcPr marL="35902" marR="35902" marT="35902" marB="35902" anchor="ctr">
@@ -7138,23 +7208,17 @@
                         <a:buNone/>
                       </a:pPr>
                       <a:r>
-                        <a:rPr lang="ko-KR" altLang="en-US" sz="1400" dirty="0">
+                        <a:rPr lang="ko-KR" altLang="en-US" sz="1400">
                           <a:effectLst/>
                         </a:rPr>
                         <a:t>결과</a:t>
                       </a:r>
+                      <a:endParaRPr lang="ko-KR" altLang="en-US" sz="1400" dirty="0">
+                        <a:effectLst/>
+                      </a:endParaRPr>
                     </a:p>
                   </a:txBody>
                   <a:tcPr marL="35902" marR="35902" marT="35902" marB="35902" anchor="ctr">
-                    <a:lnL w="9525" cap="flat" cmpd="sng" algn="ctr">
-                      <a:solidFill>
-                        <a:srgbClr val="DDDDDD"/>
-                      </a:solidFill>
-                      <a:prstDash val="solid"/>
-                      <a:round/>
-                      <a:headEnd type="none" w="med" len="med"/>
-                      <a:tailEnd type="none" w="med" len="med"/>
-                    </a:lnL>
                     <a:lnR w="9525" cap="flat" cmpd="sng" algn="ctr">
                       <a:solidFill>
                         <a:srgbClr val="DDDDDD"/>
@@ -7251,7 +7315,17 @@
                       <a:endParaRPr lang="ko-KR" altLang="en-US"/>
                     </a:p>
                   </a:txBody>
-                  <a:tcPr/>
+                  <a:tcPr>
+                    <a:lnL w="9525" cap="flat" cmpd="sng" algn="ctr">
+                      <a:solidFill>
+                        <a:srgbClr val="DDDDDD"/>
+                      </a:solidFill>
+                      <a:prstDash val="solid"/>
+                      <a:round/>
+                      <a:headEnd type="none" w="med" len="med"/>
+                      <a:tailEnd type="none" w="med" len="med"/>
+                    </a:lnL>
+                  </a:tcPr>
                 </a:tc>
                 <a:extLst>
                   <a:ext uri="{0D108BD9-81ED-4DB2-BD59-A6C34878D82A}">
@@ -7263,6 +7337,41 @@
           </a:graphicData>
         </a:graphic>
       </p:graphicFrame>
+      <p:sp>
+        <p:nvSpPr>
+          <p:cNvPr id="5" name="TextBox 4">
+            <a:extLst>
+              <a:ext uri="{FF2B5EF4-FFF2-40B4-BE49-F238E27FC236}">
+                <a16:creationId xmlns:a16="http://schemas.microsoft.com/office/drawing/2014/main" id="{1CDA55C4-8D72-997C-A579-7118B843B63C}"/>
+              </a:ext>
+            </a:extLst>
+          </p:cNvPr>
+          <p:cNvSpPr txBox="1"/>
+          <p:nvPr/>
+        </p:nvSpPr>
+        <p:spPr>
+          <a:xfrm>
+            <a:off x="279400" y="202698"/>
+            <a:ext cx="1107996" cy="369332"/>
+          </a:xfrm>
+          <a:prstGeom prst="rect">
+            <a:avLst/>
+          </a:prstGeom>
+          <a:noFill/>
+        </p:spPr>
+        <p:txBody>
+          <a:bodyPr wrap="none" rtlCol="0">
+            <a:spAutoFit/>
+          </a:bodyPr>
+          <a:lstStyle/>
+          <a:p>
+            <a:r>
+              <a:rPr lang="ko-KR" altLang="en-US"/>
+              <a:t>개발일정</a:t>
+            </a:r>
+          </a:p>
+        </p:txBody>
+      </p:sp>
     </p:spTree>
     <p:extLst>
       <p:ext uri="{BB962C8B-B14F-4D97-AF65-F5344CB8AC3E}">
